--- a/doc/Final_Image_Processing_Presentation.pptx
+++ b/doc/Final_Image_Processing_Presentation.pptx
@@ -9,10 +9,12 @@
     <p:sldId id="261" r:id="rId3"/>
     <p:sldId id="257" r:id="rId4"/>
     <p:sldId id="264" r:id="rId5"/>
-    <p:sldId id="265" r:id="rId6"/>
+    <p:sldId id="267" r:id="rId6"/>
     <p:sldId id="266" r:id="rId7"/>
-    <p:sldId id="259" r:id="rId8"/>
-    <p:sldId id="263" r:id="rId9"/>
+    <p:sldId id="265" r:id="rId8"/>
+    <p:sldId id="268" r:id="rId9"/>
+    <p:sldId id="259" r:id="rId10"/>
+    <p:sldId id="263" r:id="rId11"/>
   </p:sldIdLst>
   <p:sldSz cx="9144000" cy="6858000" type="screen4x3"/>
   <p:notesSz cx="6858000" cy="9144000"/>
@@ -3786,6 +3788,75 @@
 </p:sld>
 </file>
 
+<file path=ppt/slides/slide10.xml><?xml version="1.0" encoding="utf-8"?>
+<p:sld xmlns:a="http://schemas.openxmlformats.org/drawingml/2006/main" xmlns:r="http://schemas.openxmlformats.org/officeDocument/2006/relationships" xmlns:p="http://schemas.openxmlformats.org/presentationml/2006/main">
+  <p:cSld>
+    <p:spTree>
+      <p:nvGrpSpPr>
+        <p:cNvPr id="1" name=""/>
+        <p:cNvGrpSpPr/>
+        <p:nvPr/>
+      </p:nvGrpSpPr>
+      <p:grpSpPr>
+        <a:xfrm>
+          <a:off x="0" y="0"/>
+          <a:ext cx="0" cy="0"/>
+          <a:chOff x="0" y="0"/>
+          <a:chExt cx="0" cy="0"/>
+        </a:xfrm>
+      </p:grpSpPr>
+      <p:sp>
+        <p:nvSpPr>
+          <p:cNvPr id="2" name="Title 1"/>
+          <p:cNvSpPr>
+            <a:spLocks noGrp="1"/>
+          </p:cNvSpPr>
+          <p:nvPr>
+            <p:ph type="title"/>
+          </p:nvPr>
+        </p:nvSpPr>
+        <p:spPr/>
+        <p:txBody>
+          <a:bodyPr/>
+          <a:lstStyle/>
+          <a:p>
+            <a:r>
+              <a:t>Advanced Shift Calculation Method</a:t>
+            </a:r>
+          </a:p>
+        </p:txBody>
+      </p:sp>
+      <p:sp>
+        <p:nvSpPr>
+          <p:cNvPr id="3" name="Content Placeholder 2"/>
+          <p:cNvSpPr>
+            <a:spLocks noGrp="1"/>
+          </p:cNvSpPr>
+          <p:nvPr>
+            <p:ph idx="1"/>
+          </p:nvPr>
+        </p:nvSpPr>
+        <p:spPr/>
+        <p:txBody>
+          <a:bodyPr>
+            <a:normAutofit fontScale="85000" lnSpcReduction="20000"/>
+          </a:bodyPr>
+          <a:lstStyle/>
+          <a:p>
+            <a:r>
+              <a:t>For dynamic processing conditions, an advanced method involving feature detection and tracking is proposed. This method utilizes corner detection techniques to identify unique features in the visible area of the wooden plank within the frame. A region around these detected features is defined and then searched in the subsequent frame. By locating these features in the next frame, an accurate vertical shift (along the y-axis) can be computed, adapting to any changes in the speed of the moving plank. This method ensures precise alignment and tracking of the wooden plank across successive frames.</a:t>
+            </a:r>
+          </a:p>
+        </p:txBody>
+      </p:sp>
+    </p:spTree>
+  </p:cSld>
+  <p:clrMapOvr>
+    <a:masterClrMapping/>
+  </p:clrMapOvr>
+</p:sld>
+</file>
+
 <file path=ppt/slides/slide2.xml><?xml version="1.0" encoding="utf-8"?>
 <p:sld xmlns:a="http://schemas.openxmlformats.org/drawingml/2006/main" xmlns:r="http://schemas.openxmlformats.org/officeDocument/2006/relationships" xmlns:p="http://schemas.openxmlformats.org/presentationml/2006/main">
   <p:cSld>
@@ -5447,6 +5518,496 @@
 <file path=ppt/slides/slide5.xml><?xml version="1.0" encoding="utf-8"?>
 <p:sld xmlns:a="http://schemas.openxmlformats.org/drawingml/2006/main" xmlns:r="http://schemas.openxmlformats.org/officeDocument/2006/relationships" xmlns:p="http://schemas.openxmlformats.org/presentationml/2006/main">
   <p:cSld>
+    <p:spTree>
+      <p:nvGrpSpPr>
+        <p:cNvPr id="1" name=""/>
+        <p:cNvGrpSpPr/>
+        <p:nvPr/>
+      </p:nvGrpSpPr>
+      <p:grpSpPr>
+        <a:xfrm>
+          <a:off x="0" y="0"/>
+          <a:ext cx="0" cy="0"/>
+          <a:chOff x="0" y="0"/>
+          <a:chExt cx="0" cy="0"/>
+        </a:xfrm>
+      </p:grpSpPr>
+      <p:sp>
+        <p:nvSpPr>
+          <p:cNvPr id="2" name="Title 1">
+            <a:extLst>
+              <a:ext uri="{FF2B5EF4-FFF2-40B4-BE49-F238E27FC236}">
+                <a16:creationId xmlns:a16="http://schemas.microsoft.com/office/drawing/2014/main" id="{76739029-DE71-C1D0-CFFF-50489AC57358}"/>
+              </a:ext>
+            </a:extLst>
+          </p:cNvPr>
+          <p:cNvSpPr>
+            <a:spLocks noGrp="1"/>
+          </p:cNvSpPr>
+          <p:nvPr>
+            <p:ph type="title"/>
+          </p:nvPr>
+        </p:nvSpPr>
+        <p:spPr>
+          <a:xfrm>
+            <a:off x="457200" y="274638"/>
+            <a:ext cx="8229600" cy="1143000"/>
+          </a:xfrm>
+        </p:spPr>
+        <p:txBody>
+          <a:bodyPr/>
+          <a:lstStyle/>
+          <a:p>
+            <a:r>
+              <a:rPr lang="en-US" sz="1800" b="1" kern="0" dirty="0">
+                <a:solidFill>
+                  <a:srgbClr val="0D0D0D"/>
+                </a:solidFill>
+                <a:effectLst/>
+                <a:highlight>
+                  <a:srgbClr val="FFFFFF"/>
+                </a:highlight>
+                <a:latin typeface="Segoe UI" panose="020B0502040204020203" pitchFamily="34" charset="0"/>
+                <a:ea typeface="Times New Roman" panose="02020603050405020304" pitchFamily="18" charset="0"/>
+                <a:cs typeface="Times New Roman" panose="02020603050405020304" pitchFamily="18" charset="0"/>
+              </a:rPr>
+              <a:t>Challenge: Varying Speeds and Directions</a:t>
+            </a:r>
+            <a:br>
+              <a:rPr lang="en-US" sz="1800" kern="100" dirty="0">
+                <a:effectLst/>
+                <a:highlight>
+                  <a:srgbClr val="FFFFFF"/>
+                </a:highlight>
+                <a:latin typeface="Aptos" panose="020B0004020202020204" pitchFamily="34" charset="0"/>
+                <a:ea typeface="Aptos" panose="020B0004020202020204" pitchFamily="34" charset="0"/>
+                <a:cs typeface="Times New Roman" panose="02020603050405020304" pitchFamily="18" charset="0"/>
+              </a:rPr>
+            </a:br>
+            <a:endParaRPr lang="en-US" dirty="0"/>
+          </a:p>
+        </p:txBody>
+      </p:sp>
+      <p:sp>
+        <p:nvSpPr>
+          <p:cNvPr id="6" name="TextBox 5">
+            <a:extLst>
+              <a:ext uri="{FF2B5EF4-FFF2-40B4-BE49-F238E27FC236}">
+                <a16:creationId xmlns:a16="http://schemas.microsoft.com/office/drawing/2014/main" id="{CC438D42-6453-F5AC-8C6C-A0C2F6DC45D0}"/>
+              </a:ext>
+            </a:extLst>
+          </p:cNvPr>
+          <p:cNvSpPr txBox="1"/>
+          <p:nvPr/>
+        </p:nvSpPr>
+        <p:spPr>
+          <a:xfrm>
+            <a:off x="2286000" y="1694106"/>
+            <a:ext cx="4572000" cy="376000"/>
+          </a:xfrm>
+          <a:prstGeom prst="rect">
+            <a:avLst/>
+          </a:prstGeom>
+          <a:noFill/>
+        </p:spPr>
+        <p:txBody>
+          <a:bodyPr wrap="square">
+            <a:spAutoFit/>
+          </a:bodyPr>
+          <a:lstStyle/>
+          <a:p>
+            <a:pPr marL="342900" marR="0" lvl="0" indent="-342900">
+              <a:lnSpc>
+                <a:spcPct val="107000"/>
+              </a:lnSpc>
+              <a:spcBef>
+                <a:spcPts val="1500"/>
+              </a:spcBef>
+              <a:spcAft>
+                <a:spcPts val="1500"/>
+              </a:spcAft>
+              <a:buFont typeface="Symbol" panose="05050102010706020507" pitchFamily="18" charset="2"/>
+              <a:buChar char=""/>
+            </a:pPr>
+            <a:r>
+              <a:rPr lang="en-US" sz="1800" b="1" kern="0" dirty="0">
+                <a:solidFill>
+                  <a:srgbClr val="0D0D0D"/>
+                </a:solidFill>
+                <a:effectLst/>
+                <a:highlight>
+                  <a:srgbClr val="FFFFFF"/>
+                </a:highlight>
+                <a:latin typeface="Segoe UI" panose="020B0502040204020203" pitchFamily="34" charset="0"/>
+                <a:ea typeface="Times New Roman" panose="02020603050405020304" pitchFamily="18" charset="0"/>
+                <a:cs typeface="Times New Roman" panose="02020603050405020304" pitchFamily="18" charset="0"/>
+              </a:rPr>
+              <a:t>Feature Detection</a:t>
+            </a:r>
+            <a:r>
+              <a:rPr lang="en-US" sz="1800" kern="0" dirty="0">
+                <a:solidFill>
+                  <a:srgbClr val="0D0D0D"/>
+                </a:solidFill>
+                <a:effectLst/>
+                <a:highlight>
+                  <a:srgbClr val="FFFFFF"/>
+                </a:highlight>
+                <a:latin typeface="Segoe UI" panose="020B0502040204020203" pitchFamily="34" charset="0"/>
+                <a:ea typeface="Times New Roman" panose="02020603050405020304" pitchFamily="18" charset="0"/>
+                <a:cs typeface="Times New Roman" panose="02020603050405020304" pitchFamily="18" charset="0"/>
+              </a:rPr>
+              <a:t>:</a:t>
+            </a:r>
+            <a:endParaRPr lang="en-US" sz="1600" kern="100" dirty="0">
+              <a:effectLst/>
+              <a:highlight>
+                <a:srgbClr val="FFFFFF"/>
+              </a:highlight>
+              <a:latin typeface="Aptos" panose="020B0004020202020204" pitchFamily="34" charset="0"/>
+              <a:ea typeface="Aptos" panose="020B0004020202020204" pitchFamily="34" charset="0"/>
+              <a:cs typeface="Times New Roman" panose="02020603050405020304" pitchFamily="18" charset="0"/>
+            </a:endParaRPr>
+          </a:p>
+        </p:txBody>
+      </p:sp>
+      <p:sp>
+        <p:nvSpPr>
+          <p:cNvPr id="12" name="TextBox 11">
+            <a:extLst>
+              <a:ext uri="{FF2B5EF4-FFF2-40B4-BE49-F238E27FC236}">
+                <a16:creationId xmlns:a16="http://schemas.microsoft.com/office/drawing/2014/main" id="{2924B761-CB64-FD39-100E-51CCD0B7CEE2}"/>
+              </a:ext>
+            </a:extLst>
+          </p:cNvPr>
+          <p:cNvSpPr txBox="1"/>
+          <p:nvPr/>
+        </p:nvSpPr>
+        <p:spPr>
+          <a:xfrm>
+            <a:off x="2286000" y="3243219"/>
+            <a:ext cx="4572000" cy="376000"/>
+          </a:xfrm>
+          <a:prstGeom prst="rect">
+            <a:avLst/>
+          </a:prstGeom>
+          <a:noFill/>
+        </p:spPr>
+        <p:txBody>
+          <a:bodyPr wrap="square">
+            <a:spAutoFit/>
+          </a:bodyPr>
+          <a:lstStyle/>
+          <a:p>
+            <a:pPr marL="342900" marR="0" lvl="0" indent="-342900">
+              <a:lnSpc>
+                <a:spcPct val="107000"/>
+              </a:lnSpc>
+              <a:spcBef>
+                <a:spcPts val="1500"/>
+              </a:spcBef>
+              <a:spcAft>
+                <a:spcPts val="1500"/>
+              </a:spcAft>
+              <a:buSzPts val="1000"/>
+              <a:buFont typeface="Symbol" panose="05050102010706020507" pitchFamily="18" charset="2"/>
+              <a:buChar char=""/>
+              <a:tabLst>
+                <a:tab pos="457200" algn="l"/>
+              </a:tabLst>
+            </a:pPr>
+            <a:r>
+              <a:rPr lang="en-US" sz="1800" b="1" kern="0" dirty="0">
+                <a:solidFill>
+                  <a:srgbClr val="0D0D0D"/>
+                </a:solidFill>
+                <a:effectLst/>
+                <a:highlight>
+                  <a:srgbClr val="FFFFFF"/>
+                </a:highlight>
+                <a:latin typeface="Segoe UI" panose="020B0502040204020203" pitchFamily="34" charset="0"/>
+                <a:ea typeface="Times New Roman" panose="02020603050405020304" pitchFamily="18" charset="0"/>
+                <a:cs typeface="Times New Roman" panose="02020603050405020304" pitchFamily="18" charset="0"/>
+              </a:rPr>
+              <a:t>Shift Calculation</a:t>
+            </a:r>
+            <a:r>
+              <a:rPr lang="en-US" sz="1800" kern="0" dirty="0">
+                <a:solidFill>
+                  <a:srgbClr val="0D0D0D"/>
+                </a:solidFill>
+                <a:effectLst/>
+                <a:highlight>
+                  <a:srgbClr val="FFFFFF"/>
+                </a:highlight>
+                <a:latin typeface="Segoe UI" panose="020B0502040204020203" pitchFamily="34" charset="0"/>
+                <a:ea typeface="Times New Roman" panose="02020603050405020304" pitchFamily="18" charset="0"/>
+                <a:cs typeface="Times New Roman" panose="02020603050405020304" pitchFamily="18" charset="0"/>
+              </a:rPr>
+              <a:t>:</a:t>
+            </a:r>
+            <a:endParaRPr lang="en-US" sz="1600" kern="100" dirty="0">
+              <a:solidFill>
+                <a:srgbClr val="0D0D0D"/>
+              </a:solidFill>
+              <a:effectLst/>
+              <a:highlight>
+                <a:srgbClr val="FFFFFF"/>
+              </a:highlight>
+              <a:latin typeface="Aptos" panose="020B0004020202020204" pitchFamily="34" charset="0"/>
+              <a:ea typeface="Aptos" panose="020B0004020202020204" pitchFamily="34" charset="0"/>
+              <a:cs typeface="Times New Roman" panose="02020603050405020304" pitchFamily="18" charset="0"/>
+            </a:endParaRPr>
+          </a:p>
+        </p:txBody>
+      </p:sp>
+      <p:sp>
+        <p:nvSpPr>
+          <p:cNvPr id="14" name="TextBox 13">
+            <a:extLst>
+              <a:ext uri="{FF2B5EF4-FFF2-40B4-BE49-F238E27FC236}">
+                <a16:creationId xmlns:a16="http://schemas.microsoft.com/office/drawing/2014/main" id="{01D3D662-2CF0-014A-DE34-E1906F90F3BD}"/>
+              </a:ext>
+            </a:extLst>
+          </p:cNvPr>
+          <p:cNvSpPr txBox="1"/>
+          <p:nvPr/>
+        </p:nvSpPr>
+        <p:spPr>
+          <a:xfrm>
+            <a:off x="2286000" y="3660468"/>
+            <a:ext cx="4572000" cy="376000"/>
+          </a:xfrm>
+          <a:prstGeom prst="rect">
+            <a:avLst/>
+          </a:prstGeom>
+          <a:noFill/>
+        </p:spPr>
+        <p:txBody>
+          <a:bodyPr wrap="square">
+            <a:spAutoFit/>
+          </a:bodyPr>
+          <a:lstStyle/>
+          <a:p>
+            <a:pPr marL="342900" marR="0" lvl="0" indent="-342900">
+              <a:lnSpc>
+                <a:spcPct val="107000"/>
+              </a:lnSpc>
+              <a:spcBef>
+                <a:spcPts val="1500"/>
+              </a:spcBef>
+              <a:spcAft>
+                <a:spcPts val="900"/>
+              </a:spcAft>
+              <a:buSzPts val="1000"/>
+              <a:buFont typeface="Symbol" panose="05050102010706020507" pitchFamily="18" charset="2"/>
+              <a:buChar char=""/>
+              <a:tabLst>
+                <a:tab pos="457200" algn="l"/>
+              </a:tabLst>
+            </a:pPr>
+            <a:r>
+              <a:rPr lang="en-US" sz="1800" b="1" kern="0" dirty="0">
+                <a:solidFill>
+                  <a:srgbClr val="0D0D0D"/>
+                </a:solidFill>
+                <a:effectLst/>
+                <a:highlight>
+                  <a:srgbClr val="FFFFFF"/>
+                </a:highlight>
+                <a:latin typeface="Segoe UI" panose="020B0502040204020203" pitchFamily="34" charset="0"/>
+                <a:ea typeface="Times New Roman" panose="02020603050405020304" pitchFamily="18" charset="0"/>
+                <a:cs typeface="Times New Roman" panose="02020603050405020304" pitchFamily="18" charset="0"/>
+              </a:rPr>
+              <a:t>Motion Prediction Models</a:t>
+            </a:r>
+            <a:r>
+              <a:rPr lang="en-US" sz="1800" kern="0" dirty="0">
+                <a:solidFill>
+                  <a:srgbClr val="0D0D0D"/>
+                </a:solidFill>
+                <a:effectLst/>
+                <a:highlight>
+                  <a:srgbClr val="FFFFFF"/>
+                </a:highlight>
+                <a:latin typeface="Segoe UI" panose="020B0502040204020203" pitchFamily="34" charset="0"/>
+                <a:ea typeface="Times New Roman" panose="02020603050405020304" pitchFamily="18" charset="0"/>
+                <a:cs typeface="Times New Roman" panose="02020603050405020304" pitchFamily="18" charset="0"/>
+              </a:rPr>
+              <a:t>:</a:t>
+            </a:r>
+            <a:endParaRPr lang="en-US" sz="1600" kern="100" dirty="0">
+              <a:solidFill>
+                <a:srgbClr val="0D0D0D"/>
+              </a:solidFill>
+              <a:effectLst/>
+              <a:highlight>
+                <a:srgbClr val="FFFFFF"/>
+              </a:highlight>
+              <a:latin typeface="Aptos" panose="020B0004020202020204" pitchFamily="34" charset="0"/>
+              <a:ea typeface="Aptos" panose="020B0004020202020204" pitchFamily="34" charset="0"/>
+              <a:cs typeface="Times New Roman" panose="02020603050405020304" pitchFamily="18" charset="0"/>
+            </a:endParaRPr>
+          </a:p>
+        </p:txBody>
+      </p:sp>
+      <p:sp>
+        <p:nvSpPr>
+          <p:cNvPr id="16" name="TextBox 15">
+            <a:extLst>
+              <a:ext uri="{FF2B5EF4-FFF2-40B4-BE49-F238E27FC236}">
+                <a16:creationId xmlns:a16="http://schemas.microsoft.com/office/drawing/2014/main" id="{AB10CECB-FEB4-2F37-4B1C-08123FDFB47C}"/>
+              </a:ext>
+            </a:extLst>
+          </p:cNvPr>
+          <p:cNvSpPr txBox="1"/>
+          <p:nvPr/>
+        </p:nvSpPr>
+        <p:spPr>
+          <a:xfrm>
+            <a:off x="2348144" y="4143197"/>
+            <a:ext cx="4572000" cy="369332"/>
+          </a:xfrm>
+          <a:prstGeom prst="rect">
+            <a:avLst/>
+          </a:prstGeom>
+          <a:noFill/>
+        </p:spPr>
+        <p:txBody>
+          <a:bodyPr wrap="square">
+            <a:spAutoFit/>
+          </a:bodyPr>
+          <a:lstStyle/>
+          <a:p>
+            <a:pPr marL="285750" indent="-285750">
+              <a:buFont typeface="Arial" panose="020B0604020202020204" pitchFamily="34" charset="0"/>
+              <a:buChar char="•"/>
+            </a:pPr>
+            <a:r>
+              <a:rPr lang="en-US" sz="1800" b="1" kern="0" dirty="0">
+                <a:solidFill>
+                  <a:srgbClr val="0D0D0D"/>
+                </a:solidFill>
+                <a:effectLst/>
+                <a:latin typeface="Segoe UI" panose="020B0502040204020203" pitchFamily="34" charset="0"/>
+                <a:ea typeface="Times New Roman" panose="02020603050405020304" pitchFamily="18" charset="0"/>
+              </a:rPr>
+              <a:t>Feedback Systems</a:t>
+            </a:r>
+            <a:r>
+              <a:rPr lang="en-US" sz="1800" kern="0" dirty="0">
+                <a:solidFill>
+                  <a:srgbClr val="0D0D0D"/>
+                </a:solidFill>
+                <a:effectLst/>
+                <a:latin typeface="Segoe UI" panose="020B0502040204020203" pitchFamily="34" charset="0"/>
+                <a:ea typeface="Times New Roman" panose="02020603050405020304" pitchFamily="18" charset="0"/>
+              </a:rPr>
+              <a:t>: </a:t>
+            </a:r>
+            <a:endParaRPr lang="en-US" dirty="0"/>
+          </a:p>
+        </p:txBody>
+      </p:sp>
+      <p:sp>
+        <p:nvSpPr>
+          <p:cNvPr id="17" name="TextBox 16">
+            <a:extLst>
+              <a:ext uri="{FF2B5EF4-FFF2-40B4-BE49-F238E27FC236}">
+                <a16:creationId xmlns:a16="http://schemas.microsoft.com/office/drawing/2014/main" id="{CC0F6AE8-B07F-831D-5393-E86E082DEFCB}"/>
+              </a:ext>
+            </a:extLst>
+          </p:cNvPr>
+          <p:cNvSpPr txBox="1"/>
+          <p:nvPr/>
+        </p:nvSpPr>
+        <p:spPr>
+          <a:xfrm>
+            <a:off x="2348144" y="2216093"/>
+            <a:ext cx="4572000" cy="376000"/>
+          </a:xfrm>
+          <a:prstGeom prst="rect">
+            <a:avLst/>
+          </a:prstGeom>
+          <a:noFill/>
+        </p:spPr>
+        <p:txBody>
+          <a:bodyPr wrap="square">
+            <a:spAutoFit/>
+          </a:bodyPr>
+          <a:lstStyle/>
+          <a:p>
+            <a:pPr marL="342900" marR="0" lvl="0" indent="-342900">
+              <a:lnSpc>
+                <a:spcPct val="107000"/>
+              </a:lnSpc>
+              <a:spcBef>
+                <a:spcPts val="1500"/>
+              </a:spcBef>
+              <a:spcAft>
+                <a:spcPts val="1500"/>
+              </a:spcAft>
+              <a:buFont typeface="Symbol" panose="05050102010706020507" pitchFamily="18" charset="2"/>
+              <a:buChar char=""/>
+            </a:pPr>
+            <a:r>
+              <a:rPr lang="en-US" sz="1800" b="1" kern="0" dirty="0">
+                <a:solidFill>
+                  <a:srgbClr val="0D0D0D"/>
+                </a:solidFill>
+                <a:effectLst/>
+                <a:highlight>
+                  <a:srgbClr val="FFFFFF"/>
+                </a:highlight>
+                <a:latin typeface="Segoe UI" panose="020B0502040204020203" pitchFamily="34" charset="0"/>
+                <a:ea typeface="Times New Roman" panose="02020603050405020304" pitchFamily="18" charset="0"/>
+                <a:cs typeface="Times New Roman" panose="02020603050405020304" pitchFamily="18" charset="0"/>
+              </a:rPr>
+              <a:t>Feature Matching</a:t>
+            </a:r>
+            <a:r>
+              <a:rPr lang="en-US" sz="1800" kern="0" dirty="0">
+                <a:solidFill>
+                  <a:srgbClr val="0D0D0D"/>
+                </a:solidFill>
+                <a:effectLst/>
+                <a:highlight>
+                  <a:srgbClr val="FFFFFF"/>
+                </a:highlight>
+                <a:latin typeface="Segoe UI" panose="020B0502040204020203" pitchFamily="34" charset="0"/>
+                <a:ea typeface="Times New Roman" panose="02020603050405020304" pitchFamily="18" charset="0"/>
+                <a:cs typeface="Times New Roman" panose="02020603050405020304" pitchFamily="18" charset="0"/>
+              </a:rPr>
+              <a:t>:</a:t>
+            </a:r>
+            <a:endParaRPr lang="en-US" sz="1600" kern="100" dirty="0">
+              <a:effectLst/>
+              <a:highlight>
+                <a:srgbClr val="FFFFFF"/>
+              </a:highlight>
+              <a:latin typeface="Aptos" panose="020B0004020202020204" pitchFamily="34" charset="0"/>
+              <a:ea typeface="Aptos" panose="020B0004020202020204" pitchFamily="34" charset="0"/>
+              <a:cs typeface="Times New Roman" panose="02020603050405020304" pitchFamily="18" charset="0"/>
+            </a:endParaRPr>
+          </a:p>
+        </p:txBody>
+      </p:sp>
+    </p:spTree>
+    <p:extLst>
+      <p:ext uri="{BB962C8B-B14F-4D97-AF65-F5344CB8AC3E}">
+        <p14:creationId xmlns:p14="http://schemas.microsoft.com/office/powerpoint/2010/main" val="917090795"/>
+      </p:ext>
+    </p:extLst>
+  </p:cSld>
+  <p:clrMapOvr>
+    <a:masterClrMapping/>
+  </p:clrMapOvr>
+</p:sld>
+</file>
+
+<file path=ppt/slides/slide6.xml><?xml version="1.0" encoding="utf-8"?>
+<p:sld xmlns:a="http://schemas.openxmlformats.org/drawingml/2006/main" xmlns:r="http://schemas.openxmlformats.org/officeDocument/2006/relationships" xmlns:p="http://schemas.openxmlformats.org/presentationml/2006/main">
+  <p:cSld>
     <p:bg>
       <p:bgPr>
         <a:solidFill>
@@ -5777,7 +6338,7 @@
           <p:cNvPr id="2" name="Title 1">
             <a:extLst>
               <a:ext uri="{FF2B5EF4-FFF2-40B4-BE49-F238E27FC236}">
-                <a16:creationId xmlns:a16="http://schemas.microsoft.com/office/drawing/2014/main" id="{59CAFB4E-870E-8452-6033-27AC7EE2F71F}"/>
+                <a16:creationId xmlns:a16="http://schemas.microsoft.com/office/drawing/2014/main" id="{078044B4-1E77-13D6-A693-23D375B42E9F}"/>
               </a:ext>
             </a:extLst>
           </p:cNvPr>
@@ -5814,17 +6375,17 @@
                 <a:ea typeface="+mj-ea"/>
                 <a:cs typeface="+mj-cs"/>
               </a:rPr>
-              <a:t>Features on binary masks</a:t>
+              <a:t>Features on color images</a:t>
             </a:r>
           </a:p>
         </p:txBody>
       </p:sp>
       <p:pic>
         <p:nvPicPr>
-          <p:cNvPr id="4" name="Picture 3" descr="A screenshot of a video game">
+          <p:cNvPr id="4" name="Picture 3" descr="A close-up of a piece of wood&#10;&#10;Description automatically generated">
             <a:extLst>
               <a:ext uri="{FF2B5EF4-FFF2-40B4-BE49-F238E27FC236}">
-                <a16:creationId xmlns:a16="http://schemas.microsoft.com/office/drawing/2014/main" id="{A6FF7EC9-6A02-E0A1-A3F4-D9D85C751A18}"/>
+                <a16:creationId xmlns:a16="http://schemas.microsoft.com/office/drawing/2014/main" id="{6AC13C43-7AE3-4DB3-6652-095D9EAF740D}"/>
               </a:ext>
             </a:extLst>
           </p:cNvPr>
@@ -5852,7 +6413,7 @@
     </p:spTree>
     <p:extLst>
       <p:ext uri="{BB962C8B-B14F-4D97-AF65-F5344CB8AC3E}">
-        <p14:creationId xmlns:p14="http://schemas.microsoft.com/office/powerpoint/2010/main" val="1683436190"/>
+        <p14:creationId xmlns:p14="http://schemas.microsoft.com/office/powerpoint/2010/main" val="1299325857"/>
       </p:ext>
     </p:extLst>
   </p:cSld>
@@ -5862,7 +6423,7 @@
 </p:sld>
 </file>
 
-<file path=ppt/slides/slide6.xml><?xml version="1.0" encoding="utf-8"?>
+<file path=ppt/slides/slide7.xml><?xml version="1.0" encoding="utf-8"?>
 <p:sld xmlns:a="http://schemas.openxmlformats.org/drawingml/2006/main" xmlns:r="http://schemas.openxmlformats.org/officeDocument/2006/relationships" xmlns:p="http://schemas.openxmlformats.org/presentationml/2006/main">
   <p:cSld>
     <p:bg>
@@ -6195,7 +6756,7 @@
           <p:cNvPr id="2" name="Title 1">
             <a:extLst>
               <a:ext uri="{FF2B5EF4-FFF2-40B4-BE49-F238E27FC236}">
-                <a16:creationId xmlns:a16="http://schemas.microsoft.com/office/drawing/2014/main" id="{078044B4-1E77-13D6-A693-23D375B42E9F}"/>
+                <a16:creationId xmlns:a16="http://schemas.microsoft.com/office/drawing/2014/main" id="{59CAFB4E-870E-8452-6033-27AC7EE2F71F}"/>
               </a:ext>
             </a:extLst>
           </p:cNvPr>
@@ -6232,17 +6793,17 @@
                 <a:ea typeface="+mj-ea"/>
                 <a:cs typeface="+mj-cs"/>
               </a:rPr>
-              <a:t>Features on color images</a:t>
+              <a:t>Features on binary masks</a:t>
             </a:r>
           </a:p>
         </p:txBody>
       </p:sp>
       <p:pic>
         <p:nvPicPr>
-          <p:cNvPr id="4" name="Picture 3" descr="A close-up of a piece of wood&#10;&#10;Description automatically generated">
+          <p:cNvPr id="4" name="Picture 3" descr="A screenshot of a video game">
             <a:extLst>
               <a:ext uri="{FF2B5EF4-FFF2-40B4-BE49-F238E27FC236}">
-                <a16:creationId xmlns:a16="http://schemas.microsoft.com/office/drawing/2014/main" id="{6AC13C43-7AE3-4DB3-6652-095D9EAF740D}"/>
+                <a16:creationId xmlns:a16="http://schemas.microsoft.com/office/drawing/2014/main" id="{A6FF7EC9-6A02-E0A1-A3F4-D9D85C751A18}"/>
               </a:ext>
             </a:extLst>
           </p:cNvPr>
@@ -6270,7 +6831,7 @@
     </p:spTree>
     <p:extLst>
       <p:ext uri="{BB962C8B-B14F-4D97-AF65-F5344CB8AC3E}">
-        <p14:creationId xmlns:p14="http://schemas.microsoft.com/office/powerpoint/2010/main" val="1299325857"/>
+        <p14:creationId xmlns:p14="http://schemas.microsoft.com/office/powerpoint/2010/main" val="1683436190"/>
       </p:ext>
     </p:extLst>
   </p:cSld>
@@ -6280,7 +6841,385 @@
 </p:sld>
 </file>
 
-<file path=ppt/slides/slide7.xml><?xml version="1.0" encoding="utf-8"?>
+<file path=ppt/slides/slide8.xml><?xml version="1.0" encoding="utf-8"?>
+<p:sld xmlns:a="http://schemas.openxmlformats.org/drawingml/2006/main" xmlns:r="http://schemas.openxmlformats.org/officeDocument/2006/relationships" xmlns:p="http://schemas.openxmlformats.org/presentationml/2006/main">
+  <p:cSld>
+    <p:spTree>
+      <p:nvGrpSpPr>
+        <p:cNvPr id="1" name=""/>
+        <p:cNvGrpSpPr/>
+        <p:nvPr/>
+      </p:nvGrpSpPr>
+      <p:grpSpPr>
+        <a:xfrm>
+          <a:off x="0" y="0"/>
+          <a:ext cx="0" cy="0"/>
+          <a:chOff x="0" y="0"/>
+          <a:chExt cx="0" cy="0"/>
+        </a:xfrm>
+      </p:grpSpPr>
+      <p:sp>
+        <p:nvSpPr>
+          <p:cNvPr id="2" name="Title 1">
+            <a:extLst>
+              <a:ext uri="{FF2B5EF4-FFF2-40B4-BE49-F238E27FC236}">
+                <a16:creationId xmlns:a16="http://schemas.microsoft.com/office/drawing/2014/main" id="{7E50EEC0-3AF7-48C0-1554-1574AF4483F5}"/>
+              </a:ext>
+            </a:extLst>
+          </p:cNvPr>
+          <p:cNvSpPr>
+            <a:spLocks noGrp="1"/>
+          </p:cNvSpPr>
+          <p:nvPr>
+            <p:ph type="title"/>
+          </p:nvPr>
+        </p:nvSpPr>
+        <p:spPr/>
+        <p:txBody>
+          <a:bodyPr/>
+          <a:lstStyle/>
+          <a:p>
+            <a:r>
+              <a:rPr lang="en-US" sz="1800" b="1" kern="0" dirty="0">
+                <a:solidFill>
+                  <a:srgbClr val="0D0D0D"/>
+                </a:solidFill>
+                <a:effectLst/>
+                <a:highlight>
+                  <a:srgbClr val="FFFFFF"/>
+                </a:highlight>
+                <a:latin typeface="Segoe UI" panose="020B0502040204020203" pitchFamily="34" charset="0"/>
+                <a:ea typeface="Times New Roman" panose="02020603050405020304" pitchFamily="18" charset="0"/>
+                <a:cs typeface="Times New Roman" panose="02020603050405020304" pitchFamily="18" charset="0"/>
+              </a:rPr>
+              <a:t>Proposed Improvement: Enhanced Transition Blending</a:t>
+            </a:r>
+            <a:br>
+              <a:rPr lang="en-US" sz="1800" kern="100" dirty="0">
+                <a:effectLst/>
+                <a:highlight>
+                  <a:srgbClr val="FFFFFF"/>
+                </a:highlight>
+                <a:latin typeface="Aptos" panose="020B0004020202020204" pitchFamily="34" charset="0"/>
+                <a:ea typeface="Aptos" panose="020B0004020202020204" pitchFamily="34" charset="0"/>
+                <a:cs typeface="Times New Roman" panose="02020603050405020304" pitchFamily="18" charset="0"/>
+              </a:rPr>
+            </a:br>
+            <a:endParaRPr lang="en-US" dirty="0"/>
+          </a:p>
+        </p:txBody>
+      </p:sp>
+      <p:sp>
+        <p:nvSpPr>
+          <p:cNvPr id="4" name="TextBox 3">
+            <a:extLst>
+              <a:ext uri="{FF2B5EF4-FFF2-40B4-BE49-F238E27FC236}">
+                <a16:creationId xmlns:a16="http://schemas.microsoft.com/office/drawing/2014/main" id="{146B3D23-D26F-44AC-2428-44D829D99004}"/>
+              </a:ext>
+            </a:extLst>
+          </p:cNvPr>
+          <p:cNvSpPr txBox="1"/>
+          <p:nvPr/>
+        </p:nvSpPr>
+        <p:spPr>
+          <a:xfrm>
+            <a:off x="1606858" y="1723137"/>
+            <a:ext cx="5384307" cy="923330"/>
+          </a:xfrm>
+          <a:prstGeom prst="rect">
+            <a:avLst/>
+          </a:prstGeom>
+          <a:noFill/>
+        </p:spPr>
+        <p:txBody>
+          <a:bodyPr wrap="square">
+            <a:spAutoFit/>
+          </a:bodyPr>
+          <a:lstStyle/>
+          <a:p>
+            <a:r>
+              <a:rPr lang="en-US" sz="1800" b="1" kern="0" dirty="0">
+                <a:solidFill>
+                  <a:srgbClr val="0D0D0D"/>
+                </a:solidFill>
+                <a:effectLst/>
+                <a:latin typeface="Segoe UI" panose="020B0502040204020203" pitchFamily="34" charset="0"/>
+                <a:ea typeface="Times New Roman" panose="02020603050405020304" pitchFamily="18" charset="0"/>
+              </a:rPr>
+              <a:t>Use of Overlapping Regions from Original Images: </a:t>
+            </a:r>
+            <a:r>
+              <a:rPr lang="en-US" b="0" i="0" dirty="0">
+                <a:solidFill>
+                  <a:srgbClr val="0D0D0D"/>
+                </a:solidFill>
+                <a:effectLst/>
+                <a:highlight>
+                  <a:srgbClr val="FFFFFF"/>
+                </a:highlight>
+                <a:latin typeface="ui-sans-serif"/>
+              </a:rPr>
+              <a:t>identify original image that overlap region </a:t>
+            </a:r>
+            <a:r>
+              <a:rPr lang="en-US" dirty="0">
+                <a:solidFill>
+                  <a:srgbClr val="0D0D0D"/>
+                </a:solidFill>
+                <a:highlight>
+                  <a:srgbClr val="FFFFFF"/>
+                </a:highlight>
+                <a:latin typeface="ui-sans-serif"/>
+              </a:rPr>
+              <a:t>over</a:t>
+            </a:r>
+            <a:r>
+              <a:rPr lang="en-US" b="0" i="0" dirty="0">
+                <a:solidFill>
+                  <a:srgbClr val="0D0D0D"/>
+                </a:solidFill>
+                <a:effectLst/>
+                <a:highlight>
+                  <a:srgbClr val="FFFFFF"/>
+                </a:highlight>
+                <a:latin typeface="ui-sans-serif"/>
+              </a:rPr>
+              <a:t> the merging zone where two images meet.</a:t>
+            </a:r>
+            <a:endParaRPr lang="en-US" dirty="0"/>
+          </a:p>
+        </p:txBody>
+      </p:sp>
+      <p:sp>
+        <p:nvSpPr>
+          <p:cNvPr id="6" name="TextBox 5">
+            <a:extLst>
+              <a:ext uri="{FF2B5EF4-FFF2-40B4-BE49-F238E27FC236}">
+                <a16:creationId xmlns:a16="http://schemas.microsoft.com/office/drawing/2014/main" id="{D3739E2F-44A3-B966-68DB-EFDB42CE660A}"/>
+              </a:ext>
+            </a:extLst>
+          </p:cNvPr>
+          <p:cNvSpPr txBox="1"/>
+          <p:nvPr/>
+        </p:nvSpPr>
+        <p:spPr>
+          <a:xfrm>
+            <a:off x="1473693" y="3246553"/>
+            <a:ext cx="6196614" cy="646331"/>
+          </a:xfrm>
+          <a:prstGeom prst="rect">
+            <a:avLst/>
+          </a:prstGeom>
+          <a:noFill/>
+        </p:spPr>
+        <p:txBody>
+          <a:bodyPr wrap="square">
+            <a:spAutoFit/>
+          </a:bodyPr>
+          <a:lstStyle/>
+          <a:p>
+            <a:r>
+              <a:rPr lang="en-US" sz="1800" b="1" kern="0" dirty="0">
+                <a:solidFill>
+                  <a:srgbClr val="0D0D0D"/>
+                </a:solidFill>
+                <a:effectLst/>
+                <a:latin typeface="Segoe UI" panose="020B0502040204020203" pitchFamily="34" charset="0"/>
+                <a:ea typeface="Times New Roman" panose="02020603050405020304" pitchFamily="18" charset="0"/>
+              </a:rPr>
+              <a:t>Identify Overlap</a:t>
+            </a:r>
+            <a:r>
+              <a:rPr lang="en-US" b="1" kern="0" dirty="0">
+                <a:solidFill>
+                  <a:srgbClr val="0D0D0D"/>
+                </a:solidFill>
+                <a:latin typeface="Segoe UI" panose="020B0502040204020203" pitchFamily="34" charset="0"/>
+                <a:ea typeface="Times New Roman" panose="02020603050405020304" pitchFamily="18" charset="0"/>
+              </a:rPr>
+              <a:t> and then Adjust Blending Zone more realist </a:t>
+            </a:r>
+            <a:endParaRPr lang="en-US" dirty="0"/>
+          </a:p>
+        </p:txBody>
+      </p:sp>
+      <p:sp>
+        <p:nvSpPr>
+          <p:cNvPr id="10" name="TextBox 9">
+            <a:extLst>
+              <a:ext uri="{FF2B5EF4-FFF2-40B4-BE49-F238E27FC236}">
+                <a16:creationId xmlns:a16="http://schemas.microsoft.com/office/drawing/2014/main" id="{A337D8C5-7FEE-A2AE-D343-4E9CCF0FF2FD}"/>
+              </a:ext>
+            </a:extLst>
+          </p:cNvPr>
+          <p:cNvSpPr txBox="1"/>
+          <p:nvPr/>
+        </p:nvSpPr>
+        <p:spPr>
+          <a:xfrm>
+            <a:off x="2499064" y="3886511"/>
+            <a:ext cx="4572000" cy="2862322"/>
+          </a:xfrm>
+          <a:prstGeom prst="rect">
+            <a:avLst/>
+          </a:prstGeom>
+          <a:noFill/>
+        </p:spPr>
+        <p:txBody>
+          <a:bodyPr wrap="square">
+            <a:spAutoFit/>
+          </a:bodyPr>
+          <a:lstStyle/>
+          <a:p>
+            <a:pPr algn="l">
+              <a:buFont typeface="+mj-lt"/>
+              <a:buAutoNum type="arabicPeriod"/>
+            </a:pPr>
+            <a:r>
+              <a:rPr lang="en-US" sz="1200" b="1" i="0" dirty="0">
+                <a:solidFill>
+                  <a:srgbClr val="0D0D0D"/>
+                </a:solidFill>
+                <a:effectLst/>
+                <a:highlight>
+                  <a:srgbClr val="FFFFFF"/>
+                </a:highlight>
+                <a:latin typeface="ui-sans-serif"/>
+              </a:rPr>
+              <a:t>Adjust Blend Zone</a:t>
+            </a:r>
+            <a:r>
+              <a:rPr lang="en-US" sz="1200" b="0" i="0" dirty="0">
+                <a:solidFill>
+                  <a:srgbClr val="0D0D0D"/>
+                </a:solidFill>
+                <a:effectLst/>
+                <a:highlight>
+                  <a:srgbClr val="FFFFFF"/>
+                </a:highlight>
+                <a:latin typeface="ui-sans-serif"/>
+              </a:rPr>
+              <a:t>: Modify the width of the transition zone to include larger portions from the edges of both overlapping images. This increases the area over which the blending occurs, allowing for a more gradual transition.</a:t>
+            </a:r>
+          </a:p>
+          <a:p>
+            <a:pPr algn="l">
+              <a:buFont typeface="+mj-lt"/>
+              <a:buAutoNum type="arabicPeriod"/>
+            </a:pPr>
+            <a:r>
+              <a:rPr lang="en-US" sz="1200" b="1" i="0" dirty="0">
+                <a:solidFill>
+                  <a:srgbClr val="0D0D0D"/>
+                </a:solidFill>
+                <a:effectLst/>
+                <a:highlight>
+                  <a:srgbClr val="FFFFFF"/>
+                </a:highlight>
+                <a:latin typeface="ui-sans-serif"/>
+              </a:rPr>
+              <a:t>Advanced Blending Techniques</a:t>
+            </a:r>
+            <a:r>
+              <a:rPr lang="en-US" sz="1200" b="0" i="0" dirty="0">
+                <a:solidFill>
+                  <a:srgbClr val="0D0D0D"/>
+                </a:solidFill>
+                <a:effectLst/>
+                <a:highlight>
+                  <a:srgbClr val="FFFFFF"/>
+                </a:highlight>
+                <a:latin typeface="ui-sans-serif"/>
+              </a:rPr>
+              <a:t>:</a:t>
+            </a:r>
+          </a:p>
+          <a:p>
+            <a:pPr marL="742950" lvl="1" indent="-285750" algn="l">
+              <a:buFont typeface="+mj-lt"/>
+              <a:buAutoNum type="arabicPeriod"/>
+            </a:pPr>
+            <a:r>
+              <a:rPr lang="en-US" sz="1200" b="1" i="0" dirty="0">
+                <a:solidFill>
+                  <a:srgbClr val="0D0D0D"/>
+                </a:solidFill>
+                <a:effectLst/>
+                <a:highlight>
+                  <a:srgbClr val="FFFFFF"/>
+                </a:highlight>
+                <a:latin typeface="ui-sans-serif"/>
+              </a:rPr>
+              <a:t>Multi-scale Blending</a:t>
+            </a:r>
+            <a:r>
+              <a:rPr lang="en-US" sz="1200" b="0" i="0" dirty="0">
+                <a:solidFill>
+                  <a:srgbClr val="0D0D0D"/>
+                </a:solidFill>
+                <a:effectLst/>
+                <a:highlight>
+                  <a:srgbClr val="FFFFFF"/>
+                </a:highlight>
+                <a:latin typeface="ui-sans-serif"/>
+              </a:rPr>
+              <a:t>: Apply blending at multiple scales or layers. Start with a coarse adjustment for large features and progressively refine the blend for finer details.</a:t>
+            </a:r>
+          </a:p>
+          <a:p>
+            <a:pPr marL="742950" lvl="1" indent="-285750" algn="l">
+              <a:buFont typeface="+mj-lt"/>
+              <a:buAutoNum type="arabicPeriod"/>
+            </a:pPr>
+            <a:r>
+              <a:rPr lang="en-US" sz="1200" b="1" i="0" dirty="0">
+                <a:solidFill>
+                  <a:srgbClr val="0D0D0D"/>
+                </a:solidFill>
+                <a:effectLst/>
+                <a:highlight>
+                  <a:srgbClr val="FFFFFF"/>
+                </a:highlight>
+                <a:latin typeface="ui-sans-serif"/>
+              </a:rPr>
+              <a:t>Poisson Blending</a:t>
+            </a:r>
+            <a:r>
+              <a:rPr lang="en-US" sz="1200" b="0" i="0" dirty="0">
+                <a:solidFill>
+                  <a:srgbClr val="0D0D0D"/>
+                </a:solidFill>
+                <a:effectLst/>
+                <a:highlight>
+                  <a:srgbClr val="FFFFFF"/>
+                </a:highlight>
+                <a:latin typeface="ui-sans-serif"/>
+              </a:rPr>
+              <a:t>: Utilize gradient-domain blending techniques such as Poisson blending, which seamlessly combines images by solving a Poisson equation that minimizes the difference in gradient between the source and target images.</a:t>
+            </a:r>
+          </a:p>
+          <a:p>
+            <a:br>
+              <a:rPr lang="en-US" sz="1200" dirty="0"/>
+            </a:br>
+            <a:endParaRPr lang="en-US" sz="1200" dirty="0"/>
+          </a:p>
+        </p:txBody>
+      </p:sp>
+    </p:spTree>
+    <p:extLst>
+      <p:ext uri="{BB962C8B-B14F-4D97-AF65-F5344CB8AC3E}">
+        <p14:creationId xmlns:p14="http://schemas.microsoft.com/office/powerpoint/2010/main" val="3415493162"/>
+      </p:ext>
+    </p:extLst>
+  </p:cSld>
+  <p:clrMapOvr>
+    <a:masterClrMapping/>
+  </p:clrMapOvr>
+</p:sld>
+</file>
+
+<file path=ppt/slides/slide9.xml><?xml version="1.0" encoding="utf-8"?>
 <p:sld xmlns:a="http://schemas.openxmlformats.org/drawingml/2006/main" xmlns:r="http://schemas.openxmlformats.org/officeDocument/2006/relationships" xmlns:p="http://schemas.openxmlformats.org/presentationml/2006/main">
   <p:cSld>
     <p:bg>
@@ -7260,75 +8199,6 @@
           </a:prstGeom>
         </p:spPr>
       </p:pic>
-    </p:spTree>
-  </p:cSld>
-  <p:clrMapOvr>
-    <a:masterClrMapping/>
-  </p:clrMapOvr>
-</p:sld>
-</file>
-
-<file path=ppt/slides/slide8.xml><?xml version="1.0" encoding="utf-8"?>
-<p:sld xmlns:a="http://schemas.openxmlformats.org/drawingml/2006/main" xmlns:r="http://schemas.openxmlformats.org/officeDocument/2006/relationships" xmlns:p="http://schemas.openxmlformats.org/presentationml/2006/main">
-  <p:cSld>
-    <p:spTree>
-      <p:nvGrpSpPr>
-        <p:cNvPr id="1" name=""/>
-        <p:cNvGrpSpPr/>
-        <p:nvPr/>
-      </p:nvGrpSpPr>
-      <p:grpSpPr>
-        <a:xfrm>
-          <a:off x="0" y="0"/>
-          <a:ext cx="0" cy="0"/>
-          <a:chOff x="0" y="0"/>
-          <a:chExt cx="0" cy="0"/>
-        </a:xfrm>
-      </p:grpSpPr>
-      <p:sp>
-        <p:nvSpPr>
-          <p:cNvPr id="2" name="Title 1"/>
-          <p:cNvSpPr>
-            <a:spLocks noGrp="1"/>
-          </p:cNvSpPr>
-          <p:nvPr>
-            <p:ph type="title"/>
-          </p:nvPr>
-        </p:nvSpPr>
-        <p:spPr/>
-        <p:txBody>
-          <a:bodyPr/>
-          <a:lstStyle/>
-          <a:p>
-            <a:r>
-              <a:t>Advanced Shift Calculation Method</a:t>
-            </a:r>
-          </a:p>
-        </p:txBody>
-      </p:sp>
-      <p:sp>
-        <p:nvSpPr>
-          <p:cNvPr id="3" name="Content Placeholder 2"/>
-          <p:cNvSpPr>
-            <a:spLocks noGrp="1"/>
-          </p:cNvSpPr>
-          <p:nvPr>
-            <p:ph idx="1"/>
-          </p:nvPr>
-        </p:nvSpPr>
-        <p:spPr/>
-        <p:txBody>
-          <a:bodyPr>
-            <a:normAutofit fontScale="85000" lnSpcReduction="20000"/>
-          </a:bodyPr>
-          <a:lstStyle/>
-          <a:p>
-            <a:r>
-              <a:t>For dynamic processing conditions, an advanced method involving feature detection and tracking is proposed. This method utilizes corner detection techniques to identify unique features in the visible area of the wooden plank within the frame. A region around these detected features is defined and then searched in the subsequent frame. By locating these features in the next frame, an accurate vertical shift (along the y-axis) can be computed, adapting to any changes in the speed of the moving plank. This method ensures precise alignment and tracking of the wooden plank across successive frames.</a:t>
-            </a:r>
-          </a:p>
-        </p:txBody>
-      </p:sp>
     </p:spTree>
   </p:cSld>
   <p:clrMapOvr>
